--- a/lessons/08-classification.pptx
+++ b/lessons/08-classification.pptx
@@ -21,7 +21,7 @@
   <p:sldSz cx="9144000" cy="6858000" type="screen4x3"/>
   <p:notesSz cx="6858000" cy="9144000"/>
   <p:custDataLst>
-    <p:tags r:id="rId13"/>
+    <p:tags r:id="rId12"/>
   </p:custDataLst>
   <p:defaultTextStyle>
     <a:defPPr>
@@ -120,10 +120,21 @@
   </p:defaultTextStyle>
   <p:extLst>
     <p:ext uri="{EFAFB233-063F-42B5-8137-9DF3F51BA10A}">
-      <p15:sldGuideLst xmlns:p15="http://schemas.microsoft.com/office/powerpoint/2012/main" xmlns=""/>
+      <p15:sldGuideLst xmlns:p15="http://schemas.microsoft.com/office/powerpoint/2012/main">
+        <p15:guide id="1" orient="horz" pos="2160">
+          <p15:clr>
+            <a:srgbClr val="A4A3A4"/>
+          </p15:clr>
+        </p15:guide>
+        <p15:guide id="2" pos="2880">
+          <p15:clr>
+            <a:srgbClr val="A4A3A4"/>
+          </p15:clr>
+        </p15:guide>
+      </p15:sldGuideLst>
     </p:ext>
     <p:ext uri="{2D200454-40CA-4A62-9FC3-DE9A4176ACB9}">
-      <p15:notesGuideLst xmlns:p15="http://schemas.microsoft.com/office/powerpoint/2012/main" xmlns=""/>
+      <p15:notesGuideLst xmlns:p15="http://schemas.microsoft.com/office/powerpoint/2012/main"/>
     </p:ext>
   </p:extLst>
 </p:presentation>
@@ -211,7 +222,7 @@
           <a:p>
             <a:fld id="{73446D1D-9DB8-41B0-A6E1-F19163075F85}" type="datetimeFigureOut">
               <a:rPr lang="en-US" smtClean="0"/>
-              <a:t>7/10/18</a:t>
+              <a:t>10/29/19</a:t>
             </a:fld>
             <a:endParaRPr lang="en-US"/>
           </a:p>
@@ -275,38 +286,37 @@
           <a:p>
             <a:pPr lvl="0"/>
             <a:r>
-              <a:rPr lang="en-US" smtClean="0"/>
+              <a:rPr lang="en-US"/>
               <a:t>Edit Master text styles</a:t>
             </a:r>
           </a:p>
           <a:p>
             <a:pPr lvl="1"/>
             <a:r>
-              <a:rPr lang="en-US" smtClean="0"/>
+              <a:rPr lang="en-US"/>
               <a:t>Second level</a:t>
             </a:r>
           </a:p>
           <a:p>
             <a:pPr lvl="2"/>
             <a:r>
-              <a:rPr lang="en-US" smtClean="0"/>
+              <a:rPr lang="en-US"/>
               <a:t>Third level</a:t>
             </a:r>
           </a:p>
           <a:p>
             <a:pPr lvl="3"/>
             <a:r>
-              <a:rPr lang="en-US" smtClean="0"/>
+              <a:rPr lang="en-US"/>
               <a:t>Fourth level</a:t>
             </a:r>
           </a:p>
           <a:p>
             <a:pPr lvl="4"/>
             <a:r>
-              <a:rPr lang="en-US" smtClean="0"/>
+              <a:rPr lang="en-US"/>
               <a:t>Fifth level</a:t>
             </a:r>
-            <a:endParaRPr lang="en-US"/>
           </a:p>
         </p:txBody>
       </p:sp>
@@ -521,10 +531,9 @@
           </a:lstStyle>
           <a:p>
             <a:r>
-              <a:rPr lang="en-US" dirty="0" smtClean="0"/>
+              <a:rPr lang="en-US" dirty="0"/>
               <a:t>Click To Edit Master Title Style</a:t>
             </a:r>
-            <a:endParaRPr lang="en-US" dirty="0"/>
           </a:p>
         </p:txBody>
       </p:sp>
@@ -673,10 +682,9 @@
           </a:lstStyle>
           <a:p>
             <a:r>
-              <a:rPr lang="en-US" dirty="0" smtClean="0"/>
+              <a:rPr lang="en-US" dirty="0"/>
               <a:t>Click To Edit Master Subtitle Style</a:t>
             </a:r>
-            <a:endParaRPr lang="en-US" dirty="0"/>
           </a:p>
         </p:txBody>
       </p:sp>
@@ -1077,10 +1085,9 @@
           <a:lstStyle/>
           <a:p>
             <a:r>
-              <a:rPr lang="en-US" dirty="0" smtClean="0"/>
+              <a:rPr lang="en-US" dirty="0"/>
               <a:t>Click To Edit Master Title Style</a:t>
             </a:r>
-            <a:endParaRPr lang="en-US" dirty="0"/>
           </a:p>
         </p:txBody>
       </p:sp>
@@ -1106,38 +1113,37 @@
           <a:p>
             <a:pPr lvl="0"/>
             <a:r>
-              <a:rPr lang="en-US" dirty="0" smtClean="0"/>
+              <a:rPr lang="en-US" dirty="0"/>
               <a:t>Edit Master text styles</a:t>
             </a:r>
           </a:p>
           <a:p>
             <a:pPr lvl="1"/>
             <a:r>
-              <a:rPr lang="en-US" dirty="0" smtClean="0"/>
+              <a:rPr lang="en-US" dirty="0"/>
               <a:t>Second level</a:t>
             </a:r>
           </a:p>
           <a:p>
             <a:pPr lvl="2"/>
             <a:r>
-              <a:rPr lang="en-US" dirty="0" smtClean="0"/>
+              <a:rPr lang="en-US" dirty="0"/>
               <a:t>Third level</a:t>
             </a:r>
           </a:p>
           <a:p>
             <a:pPr lvl="3"/>
             <a:r>
-              <a:rPr lang="en-US" dirty="0" smtClean="0"/>
+              <a:rPr lang="en-US" dirty="0"/>
               <a:t>Fourth level</a:t>
             </a:r>
           </a:p>
           <a:p>
             <a:pPr lvl="4"/>
             <a:r>
-              <a:rPr lang="en-US" dirty="0" smtClean="0"/>
+              <a:rPr lang="en-US" dirty="0"/>
               <a:t>Fifth level</a:t>
             </a:r>
-            <a:endParaRPr lang="en-US" dirty="0"/>
           </a:p>
         </p:txBody>
       </p:sp>
@@ -1231,10 +1237,9 @@
           </a:lstStyle>
           <a:p>
             <a:r>
-              <a:rPr lang="en-US" dirty="0" smtClean="0"/>
+              <a:rPr lang="en-US" dirty="0"/>
               <a:t>Click to edit master title style</a:t>
             </a:r>
-            <a:endParaRPr lang="en-US" dirty="0"/>
           </a:p>
         </p:txBody>
       </p:sp>
@@ -1351,7 +1356,7 @@
           <a:p>
             <a:pPr lvl="0"/>
             <a:r>
-              <a:rPr lang="en-US" dirty="0" smtClean="0"/>
+              <a:rPr lang="en-US" dirty="0"/>
               <a:t>Click to edit Master text styles</a:t>
             </a:r>
           </a:p>
@@ -1443,10 +1448,9 @@
           <a:lstStyle/>
           <a:p>
             <a:r>
-              <a:rPr lang="en-US" dirty="0" smtClean="0"/>
+              <a:rPr lang="en-US" dirty="0"/>
               <a:t>Click To Edit Master Title Style</a:t>
             </a:r>
-            <a:endParaRPr lang="en-US" dirty="0"/>
           </a:p>
         </p:txBody>
       </p:sp>
@@ -1500,38 +1504,37 @@
           <a:p>
             <a:pPr lvl="0"/>
             <a:r>
-              <a:rPr lang="en-US" dirty="0" smtClean="0"/>
+              <a:rPr lang="en-US" dirty="0"/>
               <a:t>Click to edit Master text styles</a:t>
             </a:r>
           </a:p>
           <a:p>
             <a:pPr lvl="1"/>
             <a:r>
-              <a:rPr lang="en-US" dirty="0" smtClean="0"/>
+              <a:rPr lang="en-US" dirty="0"/>
               <a:t>Second level</a:t>
             </a:r>
           </a:p>
           <a:p>
             <a:pPr lvl="2"/>
             <a:r>
-              <a:rPr lang="en-US" dirty="0" smtClean="0"/>
+              <a:rPr lang="en-US" dirty="0"/>
               <a:t>Third level</a:t>
             </a:r>
           </a:p>
           <a:p>
             <a:pPr lvl="3"/>
             <a:r>
-              <a:rPr lang="en-US" dirty="0" smtClean="0"/>
+              <a:rPr lang="en-US" dirty="0"/>
               <a:t>Fourth level</a:t>
             </a:r>
           </a:p>
           <a:p>
             <a:pPr lvl="4"/>
             <a:r>
-              <a:rPr lang="en-US" dirty="0" smtClean="0"/>
+              <a:rPr lang="en-US" dirty="0"/>
               <a:t>Fifth level</a:t>
             </a:r>
-            <a:endParaRPr lang="en-US" dirty="0"/>
           </a:p>
         </p:txBody>
       </p:sp>
@@ -1585,38 +1588,37 @@
           <a:p>
             <a:pPr lvl="0"/>
             <a:r>
-              <a:rPr lang="en-US" smtClean="0"/>
+              <a:rPr lang="en-US"/>
               <a:t>Click to edit Master text styles</a:t>
             </a:r>
           </a:p>
           <a:p>
             <a:pPr lvl="1"/>
             <a:r>
-              <a:rPr lang="en-US" smtClean="0"/>
+              <a:rPr lang="en-US"/>
               <a:t>Second level</a:t>
             </a:r>
           </a:p>
           <a:p>
             <a:pPr lvl="2"/>
             <a:r>
-              <a:rPr lang="en-US" smtClean="0"/>
+              <a:rPr lang="en-US"/>
               <a:t>Third level</a:t>
             </a:r>
           </a:p>
           <a:p>
             <a:pPr lvl="3"/>
             <a:r>
-              <a:rPr lang="en-US" smtClean="0"/>
+              <a:rPr lang="en-US"/>
               <a:t>Fourth level</a:t>
             </a:r>
           </a:p>
           <a:p>
             <a:pPr lvl="4"/>
             <a:r>
-              <a:rPr lang="en-US" smtClean="0"/>
+              <a:rPr lang="en-US"/>
               <a:t>Fifth level</a:t>
             </a:r>
-            <a:endParaRPr lang="en-US"/>
           </a:p>
         </p:txBody>
       </p:sp>
@@ -1710,10 +1712,9 @@
           </a:lstStyle>
           <a:p>
             <a:r>
-              <a:rPr lang="en-US" dirty="0" smtClean="0"/>
+              <a:rPr lang="en-US" dirty="0"/>
               <a:t>Click To Edit Master Title Style</a:t>
             </a:r>
-            <a:endParaRPr lang="en-US" dirty="0"/>
           </a:p>
         </p:txBody>
       </p:sp>
@@ -1778,7 +1779,7 @@
           <a:p>
             <a:pPr lvl="0"/>
             <a:r>
-              <a:rPr lang="en-US" dirty="0" smtClean="0"/>
+              <a:rPr lang="en-US" dirty="0"/>
               <a:t>Click to edit Master text styles</a:t>
             </a:r>
           </a:p>
@@ -1834,38 +1835,37 @@
           <a:p>
             <a:pPr lvl="0"/>
             <a:r>
-              <a:rPr lang="en-US" dirty="0" smtClean="0"/>
+              <a:rPr lang="en-US" dirty="0"/>
               <a:t>Click to edit Master text styles</a:t>
             </a:r>
           </a:p>
           <a:p>
             <a:pPr lvl="1"/>
             <a:r>
-              <a:rPr lang="en-US" dirty="0" smtClean="0"/>
+              <a:rPr lang="en-US" dirty="0"/>
               <a:t>Second level</a:t>
             </a:r>
           </a:p>
           <a:p>
             <a:pPr lvl="2"/>
             <a:r>
-              <a:rPr lang="en-US" dirty="0" smtClean="0"/>
+              <a:rPr lang="en-US" dirty="0"/>
               <a:t>Third level</a:t>
             </a:r>
           </a:p>
           <a:p>
             <a:pPr lvl="3"/>
             <a:r>
-              <a:rPr lang="en-US" dirty="0" smtClean="0"/>
+              <a:rPr lang="en-US" dirty="0"/>
               <a:t>Fourth level</a:t>
             </a:r>
           </a:p>
           <a:p>
             <a:pPr lvl="4"/>
             <a:r>
-              <a:rPr lang="en-US" dirty="0" smtClean="0"/>
+              <a:rPr lang="en-US" dirty="0"/>
               <a:t>Fifth level</a:t>
             </a:r>
-            <a:endParaRPr lang="en-US" dirty="0"/>
           </a:p>
         </p:txBody>
       </p:sp>
@@ -1930,7 +1930,7 @@
           <a:p>
             <a:pPr lvl="0"/>
             <a:r>
-              <a:rPr lang="en-US" dirty="0" smtClean="0"/>
+              <a:rPr lang="en-US" dirty="0"/>
               <a:t>Click to edit Master text styles</a:t>
             </a:r>
           </a:p>
@@ -1986,38 +1986,37 @@
           <a:p>
             <a:pPr lvl="0"/>
             <a:r>
-              <a:rPr lang="en-US" smtClean="0"/>
+              <a:rPr lang="en-US"/>
               <a:t>Click to edit Master text styles</a:t>
             </a:r>
           </a:p>
           <a:p>
             <a:pPr lvl="1"/>
             <a:r>
-              <a:rPr lang="en-US" smtClean="0"/>
+              <a:rPr lang="en-US"/>
               <a:t>Second level</a:t>
             </a:r>
           </a:p>
           <a:p>
             <a:pPr lvl="2"/>
             <a:r>
-              <a:rPr lang="en-US" smtClean="0"/>
+              <a:rPr lang="en-US"/>
               <a:t>Third level</a:t>
             </a:r>
           </a:p>
           <a:p>
             <a:pPr lvl="3"/>
             <a:r>
-              <a:rPr lang="en-US" smtClean="0"/>
+              <a:rPr lang="en-US"/>
               <a:t>Fourth level</a:t>
             </a:r>
           </a:p>
           <a:p>
             <a:pPr lvl="4"/>
             <a:r>
-              <a:rPr lang="en-US" smtClean="0"/>
+              <a:rPr lang="en-US"/>
               <a:t>Fifth level</a:t>
             </a:r>
-            <a:endParaRPr lang="en-US"/>
           </a:p>
         </p:txBody>
       </p:sp>
@@ -2107,10 +2106,9 @@
           <a:lstStyle/>
           <a:p>
             <a:r>
-              <a:rPr lang="en-US" dirty="0" smtClean="0"/>
+              <a:rPr lang="en-US" dirty="0"/>
               <a:t>Click To Edit Master Title Style</a:t>
             </a:r>
-            <a:endParaRPr lang="en-US" dirty="0"/>
           </a:p>
         </p:txBody>
       </p:sp>
@@ -2165,10 +2163,9 @@
           <a:lstStyle/>
           <a:p>
             <a:r>
-              <a:rPr lang="en-US" dirty="0" smtClean="0"/>
+              <a:rPr lang="en-US" dirty="0"/>
               <a:t>Click To Edit Master Title Style</a:t>
             </a:r>
-            <a:endParaRPr lang="en-US" dirty="0"/>
           </a:p>
         </p:txBody>
       </p:sp>
@@ -2358,10 +2355,9 @@
           <a:lstStyle/>
           <a:p>
             <a:r>
-              <a:rPr lang="en-US" dirty="0" smtClean="0"/>
+              <a:rPr lang="en-US" dirty="0"/>
               <a:t>Click To Edit Master Title Style</a:t>
             </a:r>
-            <a:endParaRPr lang="en-US" dirty="0"/>
           </a:p>
         </p:txBody>
       </p:sp>
@@ -2392,38 +2388,37 @@
           <a:p>
             <a:pPr lvl="0"/>
             <a:r>
-              <a:rPr lang="en-US" dirty="0" smtClean="0"/>
+              <a:rPr lang="en-US" dirty="0"/>
               <a:t>Click to edit Master text styles</a:t>
             </a:r>
           </a:p>
           <a:p>
             <a:pPr lvl="1"/>
             <a:r>
-              <a:rPr lang="en-US" dirty="0" smtClean="0"/>
+              <a:rPr lang="en-US" dirty="0"/>
               <a:t>Second level</a:t>
             </a:r>
           </a:p>
           <a:p>
             <a:pPr lvl="2"/>
             <a:r>
-              <a:rPr lang="en-US" dirty="0" smtClean="0"/>
+              <a:rPr lang="en-US" dirty="0"/>
               <a:t>Third level</a:t>
             </a:r>
           </a:p>
           <a:p>
             <a:pPr lvl="3"/>
             <a:r>
-              <a:rPr lang="en-US" dirty="0" smtClean="0"/>
+              <a:rPr lang="en-US" dirty="0"/>
               <a:t>Fourth level</a:t>
             </a:r>
           </a:p>
           <a:p>
             <a:pPr lvl="4"/>
             <a:r>
-              <a:rPr lang="en-US" dirty="0" smtClean="0"/>
+              <a:rPr lang="en-US" dirty="0"/>
               <a:t>Fifth level</a:t>
             </a:r>
-            <a:endParaRPr lang="en-US" dirty="0"/>
           </a:p>
         </p:txBody>
       </p:sp>
@@ -2928,13 +2923,13 @@
           </a:lstStyle>
           <a:p>
             <a:r>
-              <a:rPr lang="en-US" dirty="0" smtClean="0">
+              <a:rPr lang="en-US" dirty="0">
                 <a:cs typeface="Arial" panose="020B0604020202020204" pitchFamily="34" charset="0"/>
               </a:rPr>
               <a:t>Sensitivity and </a:t>
             </a:r>
             <a:r>
-              <a:rPr lang="en-US" dirty="0" err="1" smtClean="0">
+              <a:rPr lang="en-US" dirty="0" err="1">
                 <a:cs typeface="Arial" panose="020B0604020202020204" pitchFamily="34" charset="0"/>
               </a:rPr>
               <a:t>Specificty</a:t>
@@ -3063,7 +3058,7 @@
               </a:spcBef>
             </a:pPr>
             <a:r>
-              <a:rPr lang="en-US" sz="3200" dirty="0" smtClean="0">
+              <a:rPr lang="en-US" sz="3200" dirty="0">
                 <a:solidFill>
                   <a:prstClr val="black"/>
                 </a:solidFill>
@@ -3083,13 +3078,6 @@
   <p:clrMapOvr>
     <a:masterClrMapping/>
   </p:clrMapOvr>
-  <p:timing>
-    <p:tnLst>
-      <p:par>
-        <p:cTn xmlns:p14="http://schemas.microsoft.com/office/powerpoint/2010/main" id="1" dur="indefinite" restart="never" nodeType="tmRoot"/>
-      </p:par>
-    </p:tnLst>
-  </p:timing>
 </p:sld>
 </file>
 
@@ -3126,10 +3114,9 @@
           <a:lstStyle/>
           <a:p>
             <a:r>
-              <a:rPr lang="en-US" dirty="0" smtClean="0"/>
+              <a:rPr lang="en-US" dirty="0"/>
               <a:t>Evaluating Classifiers	</a:t>
             </a:r>
-            <a:endParaRPr lang="en-US" dirty="0"/>
           </a:p>
         </p:txBody>
       </p:sp>
@@ -3149,29 +3136,29 @@
           <a:lstStyle/>
           <a:p>
             <a:r>
-              <a:rPr lang="en-US" dirty="0" smtClean="0"/>
+              <a:rPr lang="en-US" dirty="0"/>
               <a:t>A good classifier will accurately predict group membership</a:t>
             </a:r>
           </a:p>
           <a:p>
             <a:r>
-              <a:rPr lang="en-US" dirty="0" smtClean="0"/>
+              <a:rPr lang="en-US" dirty="0"/>
               <a:t>There are well known tradeoffs in creating classifiers</a:t>
             </a:r>
           </a:p>
           <a:p>
             <a:r>
-              <a:rPr lang="en-US" dirty="0" smtClean="0"/>
+              <a:rPr lang="en-US" dirty="0"/>
               <a:t>Some classifiers are very good at predicting group membership– this is called having high sensitivity</a:t>
             </a:r>
           </a:p>
           <a:p>
             <a:r>
-              <a:rPr lang="en-US" dirty="0" smtClean="0"/>
+              <a:rPr lang="en-US" dirty="0"/>
               <a:t>Some classifiers are very good predicting when someone is NOT in a group– this is called having high </a:t>
             </a:r>
             <a:r>
-              <a:rPr lang="en-US" dirty="0" err="1" smtClean="0"/>
+              <a:rPr lang="en-US" dirty="0" err="1"/>
               <a:t>specificty</a:t>
             </a:r>
             <a:endParaRPr lang="en-US" dirty="0"/>
@@ -3224,10 +3211,9 @@
           <a:lstStyle/>
           <a:p>
             <a:r>
-              <a:rPr lang="en-US" dirty="0" smtClean="0"/>
+              <a:rPr lang="en-US" dirty="0"/>
               <a:t>Example: Purchasing a Product</a:t>
             </a:r>
-            <a:endParaRPr lang="en-US" dirty="0"/>
           </a:p>
         </p:txBody>
       </p:sp>
@@ -3256,9 +3242,27 @@
                 <a:tableStyleId>{5C22544A-7EE6-4342-B048-85BDC9FD1C3A}</a:tableStyleId>
               </a:tblPr>
               <a:tblGrid>
-                <a:gridCol w="2399366"/>
-                <a:gridCol w="2399366"/>
-                <a:gridCol w="2399366"/>
+                <a:gridCol w="2399366">
+                  <a:extLst>
+                    <a:ext uri="{9D8B030D-6E8A-4147-A177-3AD203B41FA5}">
+                      <a16:colId xmlns:a16="http://schemas.microsoft.com/office/drawing/2014/main" val="20000"/>
+                    </a:ext>
+                  </a:extLst>
+                </a:gridCol>
+                <a:gridCol w="2399366">
+                  <a:extLst>
+                    <a:ext uri="{9D8B030D-6E8A-4147-A177-3AD203B41FA5}">
+                      <a16:colId xmlns:a16="http://schemas.microsoft.com/office/drawing/2014/main" val="20001"/>
+                    </a:ext>
+                  </a:extLst>
+                </a:gridCol>
+                <a:gridCol w="2399366">
+                  <a:extLst>
+                    <a:ext uri="{9D8B030D-6E8A-4147-A177-3AD203B41FA5}">
+                      <a16:colId xmlns:a16="http://schemas.microsoft.com/office/drawing/2014/main" val="20002"/>
+                    </a:ext>
+                  </a:extLst>
+                </a:gridCol>
               </a:tblGrid>
               <a:tr h="1283475">
                 <a:tc>
@@ -3277,16 +3281,15 @@
                     <a:lstStyle/>
                     <a:p>
                       <a:r>
-                        <a:rPr lang="en-US" dirty="0" smtClean="0"/>
+                        <a:rPr lang="en-US" dirty="0"/>
                         <a:t>Actual Outcome:</a:t>
                       </a:r>
                     </a:p>
                     <a:p>
                       <a:r>
-                        <a:rPr lang="en-US" dirty="0" smtClean="0"/>
+                        <a:rPr lang="en-US" dirty="0"/>
                         <a:t>Purchased</a:t>
                       </a:r>
-                      <a:endParaRPr lang="en-US" dirty="0"/>
                     </a:p>
                   </a:txBody>
                   <a:tcPr/>
@@ -3297,17 +3300,17 @@
                     <a:lstStyle/>
                     <a:p>
                       <a:r>
-                        <a:rPr lang="en-US" dirty="0" smtClean="0"/>
+                        <a:rPr lang="en-US" dirty="0"/>
                         <a:t>Actual Outcome:</a:t>
                       </a:r>
                     </a:p>
                     <a:p>
                       <a:r>
-                        <a:rPr lang="en-US" dirty="0" smtClean="0"/>
+                        <a:rPr lang="en-US" dirty="0"/>
                         <a:t>Did</a:t>
                       </a:r>
                       <a:r>
-                        <a:rPr lang="en-US" baseline="0" dirty="0" smtClean="0"/>
+                        <a:rPr lang="en-US" baseline="0" dirty="0"/>
                         <a:t> not purchase</a:t>
                       </a:r>
                       <a:endParaRPr lang="en-US" dirty="0"/>
@@ -3315,6 +3318,11 @@
                   </a:txBody>
                   <a:tcPr/>
                 </a:tc>
+                <a:extLst>
+                  <a:ext uri="{0D108BD9-81ED-4DB2-BD59-A6C34878D82A}">
+                    <a16:rowId xmlns:a16="http://schemas.microsoft.com/office/drawing/2014/main" val="10000"/>
+                  </a:ext>
+                </a:extLst>
               </a:tr>
               <a:tr h="1283475">
                 <a:tc>
@@ -3333,10 +3341,9 @@
                     <a:lstStyle/>
                     <a:p>
                       <a:r>
-                        <a:rPr lang="en-US" dirty="0" smtClean="0"/>
+                        <a:rPr lang="en-US" dirty="0"/>
                         <a:t>25</a:t>
                       </a:r>
-                      <a:endParaRPr lang="en-US" dirty="0"/>
                     </a:p>
                   </a:txBody>
                   <a:tcPr/>
@@ -3347,14 +3354,18 @@
                     <a:lstStyle/>
                     <a:p>
                       <a:r>
-                        <a:rPr lang="en-US" dirty="0" smtClean="0"/>
+                        <a:rPr lang="en-US" dirty="0"/>
                         <a:t>75</a:t>
                       </a:r>
-                      <a:endParaRPr lang="en-US" dirty="0"/>
                     </a:p>
                   </a:txBody>
                   <a:tcPr/>
                 </a:tc>
+                <a:extLst>
+                  <a:ext uri="{0D108BD9-81ED-4DB2-BD59-A6C34878D82A}">
+                    <a16:rowId xmlns:a16="http://schemas.microsoft.com/office/drawing/2014/main" val="10001"/>
+                  </a:ext>
+                </a:extLst>
               </a:tr>
             </a:tbl>
           </a:graphicData>
@@ -3408,17 +3419,16 @@
           <a:lstStyle/>
           <a:p>
             <a:r>
-              <a:rPr lang="en-US" dirty="0" smtClean="0"/>
+              <a:rPr lang="en-US" dirty="0"/>
               <a:t>Example: Purchasing a Product</a:t>
             </a:r>
             <a:br>
-              <a:rPr lang="en-US" dirty="0" smtClean="0"/>
+              <a:rPr lang="en-US" dirty="0"/>
             </a:br>
             <a:r>
-              <a:rPr lang="en-US" dirty="0" smtClean="0"/>
+              <a:rPr lang="en-US" dirty="0"/>
               <a:t>Classifier is Sensitive, but not Specific</a:t>
             </a:r>
-            <a:endParaRPr lang="en-US" dirty="0"/>
           </a:p>
         </p:txBody>
       </p:sp>
@@ -3447,9 +3457,27 @@
                 <a:tableStyleId>{5C22544A-7EE6-4342-B048-85BDC9FD1C3A}</a:tableStyleId>
               </a:tblPr>
               <a:tblGrid>
-                <a:gridCol w="2399366"/>
-                <a:gridCol w="2399366"/>
-                <a:gridCol w="2399366"/>
+                <a:gridCol w="2399366">
+                  <a:extLst>
+                    <a:ext uri="{9D8B030D-6E8A-4147-A177-3AD203B41FA5}">
+                      <a16:colId xmlns:a16="http://schemas.microsoft.com/office/drawing/2014/main" val="20000"/>
+                    </a:ext>
+                  </a:extLst>
+                </a:gridCol>
+                <a:gridCol w="2399366">
+                  <a:extLst>
+                    <a:ext uri="{9D8B030D-6E8A-4147-A177-3AD203B41FA5}">
+                      <a16:colId xmlns:a16="http://schemas.microsoft.com/office/drawing/2014/main" val="20001"/>
+                    </a:ext>
+                  </a:extLst>
+                </a:gridCol>
+                <a:gridCol w="2399366">
+                  <a:extLst>
+                    <a:ext uri="{9D8B030D-6E8A-4147-A177-3AD203B41FA5}">
+                      <a16:colId xmlns:a16="http://schemas.microsoft.com/office/drawing/2014/main" val="20002"/>
+                    </a:ext>
+                  </a:extLst>
+                </a:gridCol>
               </a:tblGrid>
               <a:tr h="1283475">
                 <a:tc>
@@ -3468,16 +3496,15 @@
                     <a:lstStyle/>
                     <a:p>
                       <a:r>
-                        <a:rPr lang="en-US" dirty="0" smtClean="0"/>
+                        <a:rPr lang="en-US" dirty="0"/>
                         <a:t>Actual Outcome:</a:t>
                       </a:r>
                     </a:p>
                     <a:p>
                       <a:r>
-                        <a:rPr lang="en-US" dirty="0" smtClean="0"/>
+                        <a:rPr lang="en-US" dirty="0"/>
                         <a:t>Purchased</a:t>
                       </a:r>
-                      <a:endParaRPr lang="en-US" dirty="0"/>
                     </a:p>
                   </a:txBody>
                   <a:tcPr/>
@@ -3488,17 +3515,17 @@
                     <a:lstStyle/>
                     <a:p>
                       <a:r>
-                        <a:rPr lang="en-US" dirty="0" smtClean="0"/>
+                        <a:rPr lang="en-US" dirty="0"/>
                         <a:t>Actual Outcome:</a:t>
                       </a:r>
                     </a:p>
                     <a:p>
                       <a:r>
-                        <a:rPr lang="en-US" dirty="0" smtClean="0"/>
+                        <a:rPr lang="en-US" dirty="0"/>
                         <a:t>Did</a:t>
                       </a:r>
                       <a:r>
-                        <a:rPr lang="en-US" baseline="0" dirty="0" smtClean="0"/>
+                        <a:rPr lang="en-US" baseline="0" dirty="0"/>
                         <a:t> not purchase</a:t>
                       </a:r>
                       <a:endParaRPr lang="en-US" dirty="0"/>
@@ -3506,6 +3533,11 @@
                   </a:txBody>
                   <a:tcPr/>
                 </a:tc>
+                <a:extLst>
+                  <a:ext uri="{0D108BD9-81ED-4DB2-BD59-A6C34878D82A}">
+                    <a16:rowId xmlns:a16="http://schemas.microsoft.com/office/drawing/2014/main" val="10000"/>
+                  </a:ext>
+                </a:extLst>
               </a:tr>
               <a:tr h="1283475">
                 <a:tc>
@@ -3514,16 +3546,15 @@
                     <a:lstStyle/>
                     <a:p>
                       <a:r>
-                        <a:rPr lang="en-US" dirty="0" smtClean="0"/>
+                        <a:rPr lang="en-US" dirty="0"/>
                         <a:t>Predicted Outcome:</a:t>
                       </a:r>
                     </a:p>
                     <a:p>
                       <a:r>
-                        <a:rPr lang="en-US" dirty="0" smtClean="0"/>
+                        <a:rPr lang="en-US" dirty="0"/>
                         <a:t>Purchased</a:t>
                       </a:r>
-                      <a:endParaRPr lang="en-US" dirty="0"/>
                     </a:p>
                   </a:txBody>
                   <a:tcPr/>
@@ -3534,10 +3565,9 @@
                     <a:lstStyle/>
                     <a:p>
                       <a:r>
-                        <a:rPr lang="en-US" dirty="0" smtClean="0"/>
+                        <a:rPr lang="en-US" dirty="0"/>
                         <a:t>25</a:t>
                       </a:r>
-                      <a:endParaRPr lang="en-US" dirty="0"/>
                     </a:p>
                   </a:txBody>
                   <a:tcPr/>
@@ -3548,14 +3578,18 @@
                     <a:lstStyle/>
                     <a:p>
                       <a:r>
-                        <a:rPr lang="en-US" dirty="0" smtClean="0"/>
+                        <a:rPr lang="en-US" dirty="0"/>
                         <a:t>75</a:t>
                       </a:r>
-                      <a:endParaRPr lang="en-US" dirty="0"/>
                     </a:p>
                   </a:txBody>
                   <a:tcPr/>
                 </a:tc>
+                <a:extLst>
+                  <a:ext uri="{0D108BD9-81ED-4DB2-BD59-A6C34878D82A}">
+                    <a16:rowId xmlns:a16="http://schemas.microsoft.com/office/drawing/2014/main" val="10001"/>
+                  </a:ext>
+                </a:extLst>
               </a:tr>
               <a:tr h="1283475">
                 <a:tc>
@@ -3564,16 +3598,15 @@
                     <a:lstStyle/>
                     <a:p>
                       <a:r>
-                        <a:rPr lang="en-US" dirty="0" smtClean="0"/>
+                        <a:rPr lang="en-US" dirty="0"/>
                         <a:t>Predicted Outcome:</a:t>
                       </a:r>
                     </a:p>
                     <a:p>
                       <a:r>
-                        <a:rPr lang="en-US" dirty="0" smtClean="0"/>
+                        <a:rPr lang="en-US" dirty="0"/>
                         <a:t>Did not Purchase</a:t>
                       </a:r>
-                      <a:endParaRPr lang="en-US" dirty="0"/>
                     </a:p>
                   </a:txBody>
                   <a:tcPr/>
@@ -3584,10 +3617,9 @@
                     <a:lstStyle/>
                     <a:p>
                       <a:r>
-                        <a:rPr lang="en-US" dirty="0" smtClean="0"/>
+                        <a:rPr lang="en-US" dirty="0"/>
                         <a:t>0</a:t>
                       </a:r>
-                      <a:endParaRPr lang="en-US" dirty="0"/>
                     </a:p>
                   </a:txBody>
                   <a:tcPr/>
@@ -3598,14 +3630,18 @@
                     <a:lstStyle/>
                     <a:p>
                       <a:r>
-                        <a:rPr lang="en-US" dirty="0" smtClean="0"/>
+                        <a:rPr lang="en-US" dirty="0"/>
                         <a:t>0</a:t>
                       </a:r>
-                      <a:endParaRPr lang="en-US" dirty="0"/>
                     </a:p>
                   </a:txBody>
                   <a:tcPr/>
                 </a:tc>
+                <a:extLst>
+                  <a:ext uri="{0D108BD9-81ED-4DB2-BD59-A6C34878D82A}">
+                    <a16:rowId xmlns:a16="http://schemas.microsoft.com/office/drawing/2014/main" val="10002"/>
+                  </a:ext>
+                </a:extLst>
               </a:tr>
             </a:tbl>
           </a:graphicData>
@@ -3659,17 +3695,16 @@
           <a:lstStyle/>
           <a:p>
             <a:r>
-              <a:rPr lang="en-US" dirty="0" smtClean="0"/>
+              <a:rPr lang="en-US" dirty="0"/>
               <a:t>Example: Purchasing a Product </a:t>
             </a:r>
             <a:br>
-              <a:rPr lang="en-US" dirty="0" smtClean="0"/>
+              <a:rPr lang="en-US" dirty="0"/>
             </a:br>
             <a:r>
-              <a:rPr lang="en-US" dirty="0" smtClean="0"/>
+              <a:rPr lang="en-US" dirty="0"/>
               <a:t>Classifier is Specific but not Sensitive</a:t>
             </a:r>
-            <a:endParaRPr lang="en-US" dirty="0"/>
           </a:p>
         </p:txBody>
       </p:sp>
@@ -3698,9 +3733,27 @@
                 <a:tableStyleId>{5C22544A-7EE6-4342-B048-85BDC9FD1C3A}</a:tableStyleId>
               </a:tblPr>
               <a:tblGrid>
-                <a:gridCol w="2399366"/>
-                <a:gridCol w="2399366"/>
-                <a:gridCol w="2399366"/>
+                <a:gridCol w="2399366">
+                  <a:extLst>
+                    <a:ext uri="{9D8B030D-6E8A-4147-A177-3AD203B41FA5}">
+                      <a16:colId xmlns:a16="http://schemas.microsoft.com/office/drawing/2014/main" val="20000"/>
+                    </a:ext>
+                  </a:extLst>
+                </a:gridCol>
+                <a:gridCol w="2399366">
+                  <a:extLst>
+                    <a:ext uri="{9D8B030D-6E8A-4147-A177-3AD203B41FA5}">
+                      <a16:colId xmlns:a16="http://schemas.microsoft.com/office/drawing/2014/main" val="20001"/>
+                    </a:ext>
+                  </a:extLst>
+                </a:gridCol>
+                <a:gridCol w="2399366">
+                  <a:extLst>
+                    <a:ext uri="{9D8B030D-6E8A-4147-A177-3AD203B41FA5}">
+                      <a16:colId xmlns:a16="http://schemas.microsoft.com/office/drawing/2014/main" val="20002"/>
+                    </a:ext>
+                  </a:extLst>
+                </a:gridCol>
               </a:tblGrid>
               <a:tr h="1283475">
                 <a:tc>
@@ -3719,16 +3772,15 @@
                     <a:lstStyle/>
                     <a:p>
                       <a:r>
-                        <a:rPr lang="en-US" dirty="0" smtClean="0"/>
+                        <a:rPr lang="en-US" dirty="0"/>
                         <a:t>Actual Outcome:</a:t>
                       </a:r>
                     </a:p>
                     <a:p>
                       <a:r>
-                        <a:rPr lang="en-US" dirty="0" smtClean="0"/>
+                        <a:rPr lang="en-US" dirty="0"/>
                         <a:t>Purchased</a:t>
                       </a:r>
-                      <a:endParaRPr lang="en-US" dirty="0"/>
                     </a:p>
                   </a:txBody>
                   <a:tcPr/>
@@ -3739,17 +3791,17 @@
                     <a:lstStyle/>
                     <a:p>
                       <a:r>
-                        <a:rPr lang="en-US" dirty="0" smtClean="0"/>
+                        <a:rPr lang="en-US" dirty="0"/>
                         <a:t>Actual Outcome:</a:t>
                       </a:r>
                     </a:p>
                     <a:p>
                       <a:r>
-                        <a:rPr lang="en-US" dirty="0" smtClean="0"/>
+                        <a:rPr lang="en-US" dirty="0"/>
                         <a:t>Did</a:t>
                       </a:r>
                       <a:r>
-                        <a:rPr lang="en-US" baseline="0" dirty="0" smtClean="0"/>
+                        <a:rPr lang="en-US" baseline="0" dirty="0"/>
                         <a:t> not purchase</a:t>
                       </a:r>
                       <a:endParaRPr lang="en-US" dirty="0"/>
@@ -3757,6 +3809,11 @@
                   </a:txBody>
                   <a:tcPr/>
                 </a:tc>
+                <a:extLst>
+                  <a:ext uri="{0D108BD9-81ED-4DB2-BD59-A6C34878D82A}">
+                    <a16:rowId xmlns:a16="http://schemas.microsoft.com/office/drawing/2014/main" val="10000"/>
+                  </a:ext>
+                </a:extLst>
               </a:tr>
               <a:tr h="1283475">
                 <a:tc>
@@ -3765,16 +3822,15 @@
                     <a:lstStyle/>
                     <a:p>
                       <a:r>
-                        <a:rPr lang="en-US" dirty="0" smtClean="0"/>
+                        <a:rPr lang="en-US" dirty="0"/>
                         <a:t>Predicted Outcome:</a:t>
                       </a:r>
                     </a:p>
                     <a:p>
                       <a:r>
-                        <a:rPr lang="en-US" dirty="0" smtClean="0"/>
+                        <a:rPr lang="en-US" dirty="0"/>
                         <a:t>Purchased</a:t>
                       </a:r>
-                      <a:endParaRPr lang="en-US" dirty="0"/>
                     </a:p>
                   </a:txBody>
                   <a:tcPr/>
@@ -3785,10 +3841,9 @@
                     <a:lstStyle/>
                     <a:p>
                       <a:r>
-                        <a:rPr lang="en-US" dirty="0" smtClean="0"/>
+                        <a:rPr lang="en-US" dirty="0"/>
                         <a:t>0</a:t>
                       </a:r>
-                      <a:endParaRPr lang="en-US" dirty="0"/>
                     </a:p>
                   </a:txBody>
                   <a:tcPr/>
@@ -3799,14 +3854,18 @@
                     <a:lstStyle/>
                     <a:p>
                       <a:r>
-                        <a:rPr lang="en-US" dirty="0" smtClean="0"/>
+                        <a:rPr lang="en-US" dirty="0"/>
                         <a:t>0</a:t>
                       </a:r>
-                      <a:endParaRPr lang="en-US" dirty="0"/>
                     </a:p>
                   </a:txBody>
                   <a:tcPr/>
                 </a:tc>
+                <a:extLst>
+                  <a:ext uri="{0D108BD9-81ED-4DB2-BD59-A6C34878D82A}">
+                    <a16:rowId xmlns:a16="http://schemas.microsoft.com/office/drawing/2014/main" val="10001"/>
+                  </a:ext>
+                </a:extLst>
               </a:tr>
               <a:tr h="1283475">
                 <a:tc>
@@ -3815,16 +3874,15 @@
                     <a:lstStyle/>
                     <a:p>
                       <a:r>
-                        <a:rPr lang="en-US" dirty="0" smtClean="0"/>
+                        <a:rPr lang="en-US" dirty="0"/>
                         <a:t>Predicted Outcome:</a:t>
                       </a:r>
                     </a:p>
                     <a:p>
                       <a:r>
-                        <a:rPr lang="en-US" dirty="0" smtClean="0"/>
+                        <a:rPr lang="en-US" dirty="0"/>
                         <a:t>Did not Purchase</a:t>
                       </a:r>
-                      <a:endParaRPr lang="en-US" dirty="0"/>
                     </a:p>
                   </a:txBody>
                   <a:tcPr/>
@@ -3835,10 +3893,9 @@
                     <a:lstStyle/>
                     <a:p>
                       <a:r>
-                        <a:rPr lang="en-US" dirty="0" smtClean="0"/>
+                        <a:rPr lang="en-US" dirty="0"/>
                         <a:t>25</a:t>
                       </a:r>
-                      <a:endParaRPr lang="en-US" dirty="0"/>
                     </a:p>
                   </a:txBody>
                   <a:tcPr/>
@@ -3849,14 +3906,18 @@
                     <a:lstStyle/>
                     <a:p>
                       <a:r>
-                        <a:rPr lang="en-US" dirty="0" smtClean="0"/>
+                        <a:rPr lang="en-US" dirty="0"/>
                         <a:t>75</a:t>
                       </a:r>
-                      <a:endParaRPr lang="en-US" dirty="0"/>
                     </a:p>
                   </a:txBody>
                   <a:tcPr/>
                 </a:tc>
+                <a:extLst>
+                  <a:ext uri="{0D108BD9-81ED-4DB2-BD59-A6C34878D82A}">
+                    <a16:rowId xmlns:a16="http://schemas.microsoft.com/office/drawing/2014/main" val="10002"/>
+                  </a:ext>
+                </a:extLst>
               </a:tr>
             </a:tbl>
           </a:graphicData>
@@ -3908,14 +3969,9 @@
           <a:lstStyle/>
           <a:p>
             <a:r>
-              <a:rPr lang="en-US" dirty="0" smtClean="0"/>
-              <a:t>Sensitivity and </a:t>
-            </a:r>
-            <a:r>
-              <a:rPr lang="en-US" dirty="0" err="1" smtClean="0"/>
-              <a:t>Specificty</a:t>
-            </a:r>
-            <a:endParaRPr lang="en-US" dirty="0"/>
+              <a:rPr lang="en-US" dirty="0"/>
+              <a:t>Sensitivity and Specificity</a:t>
+            </a:r>
           </a:p>
         </p:txBody>
       </p:sp>
@@ -3935,25 +3991,25 @@
           <a:lstStyle/>
           <a:p>
             <a:r>
-              <a:rPr lang="en-US" dirty="0" smtClean="0"/>
+              <a:rPr lang="en-US" dirty="0"/>
               <a:t>A good classifier will be both sensitive AND specific</a:t>
             </a:r>
           </a:p>
           <a:p>
             <a:r>
-              <a:rPr lang="en-US" dirty="0" smtClean="0"/>
+              <a:rPr lang="en-US" dirty="0"/>
               <a:t>But it’s not easy</a:t>
             </a:r>
           </a:p>
           <a:p>
             <a:r>
-              <a:rPr lang="en-US" dirty="0" smtClean="0"/>
+              <a:rPr lang="en-US" dirty="0"/>
               <a:t>We can vary the model, of course</a:t>
             </a:r>
           </a:p>
           <a:p>
             <a:r>
-              <a:rPr lang="en-US" dirty="0" smtClean="0"/>
+              <a:rPr lang="en-US" dirty="0"/>
               <a:t>We can also vary the classification threshold from 0 to 1</a:t>
             </a:r>
           </a:p>
@@ -4008,10 +4064,9 @@
           <a:lstStyle/>
           <a:p>
             <a:r>
-              <a:rPr lang="en-US" dirty="0" smtClean="0"/>
+              <a:rPr lang="en-US" dirty="0"/>
               <a:t>Receiver Operator Characteristic Curve</a:t>
             </a:r>
-            <a:endParaRPr lang="en-US" dirty="0"/>
           </a:p>
         </p:txBody>
       </p:sp>
@@ -4031,34 +4086,33 @@
           <a:lstStyle/>
           <a:p>
             <a:r>
-              <a:rPr lang="en-US" dirty="0" smtClean="0"/>
+              <a:rPr lang="en-US" dirty="0"/>
               <a:t>Calculates sensitivity AND 1-specificity over a range of classification thresholds</a:t>
             </a:r>
           </a:p>
           <a:p>
             <a:r>
-              <a:rPr lang="en-US" dirty="0" smtClean="0"/>
+              <a:rPr lang="en-US" dirty="0"/>
               <a:t>Thresholds go from 0-1</a:t>
             </a:r>
           </a:p>
           <a:p>
             <a:r>
-              <a:rPr lang="en-US" dirty="0" smtClean="0"/>
+              <a:rPr lang="en-US" dirty="0"/>
               <a:t>The measure of AUC (Area Under Curve) measures how well the model classifies at every threshold</a:t>
             </a:r>
           </a:p>
           <a:p>
             <a:r>
-              <a:rPr lang="en-US" dirty="0" smtClean="0"/>
+              <a:rPr lang="en-US" dirty="0"/>
               <a:t>A perfect classifier will have an AUC of 1 (never actually happens)</a:t>
             </a:r>
           </a:p>
           <a:p>
             <a:r>
-              <a:rPr lang="en-US" dirty="0" smtClean="0"/>
+              <a:rPr lang="en-US" dirty="0"/>
               <a:t>A random classifier will have an AUC of .5 </a:t>
             </a:r>
-            <a:endParaRPr lang="en-US" dirty="0"/>
           </a:p>
         </p:txBody>
       </p:sp>
@@ -4108,10 +4162,9 @@
           <a:lstStyle/>
           <a:p>
             <a:r>
-              <a:rPr lang="en-US" dirty="0" smtClean="0"/>
+              <a:rPr lang="en-US" dirty="0"/>
               <a:t>ROC and AUC</a:t>
             </a:r>
-            <a:endParaRPr lang="en-US" dirty="0"/>
           </a:p>
         </p:txBody>
       </p:sp>
@@ -4179,13 +4232,6 @@
   <p:clrMapOvr>
     <a:masterClrMapping/>
   </p:clrMapOvr>
-  <p:timing>
-    <p:tnLst>
-      <p:par>
-        <p:cTn xmlns:p14="http://schemas.microsoft.com/office/powerpoint/2010/main" id="1" dur="indefinite" restart="never" nodeType="tmRoot"/>
-      </p:par>
-    </p:tnLst>
-  </p:timing>
 </p:sld>
 </file>
 
@@ -4452,7 +4498,7 @@
   <a:extraClrSchemeLst/>
   <a:extLst>
     <a:ext uri="{05A4C25C-085E-4340-85A3-A5531E510DB2}">
-      <thm15:themeFamily xmlns:thm15="http://schemas.microsoft.com/office/thememl/2012/main" xmlns="" name="Office Theme" id="{62F939B6-93AF-4DB8-9C6B-D6C7DFDC589F}" vid="{4A3C46E8-61CC-4603-A589-7422A47A8E4A}"/>
+      <thm15:themeFamily xmlns:thm15="http://schemas.microsoft.com/office/thememl/2012/main" name="Office Theme" id="{62F939B6-93AF-4DB8-9C6B-D6C7DFDC589F}" vid="{4A3C46E8-61CC-4603-A589-7422A47A8E4A}"/>
     </a:ext>
   </a:extLst>
 </a:theme>
@@ -4713,7 +4759,7 @@
   <a:extraClrSchemeLst/>
   <a:extLst>
     <a:ext uri="{05A4C25C-085E-4340-85A3-A5531E510DB2}">
-      <thm15:themeFamily xmlns:thm15="http://schemas.microsoft.com/office/thememl/2012/main" xmlns="" name="Office Theme" id="{62F939B6-93AF-4DB8-9C6B-D6C7DFDC589F}" vid="{4A3C46E8-61CC-4603-A589-7422A47A8E4A}"/>
+      <thm15:themeFamily xmlns:thm15="http://schemas.microsoft.com/office/thememl/2012/main" name="Office Theme" id="{62F939B6-93AF-4DB8-9C6B-D6C7DFDC589F}" vid="{4A3C46E8-61CC-4603-A589-7422A47A8E4A}"/>
     </a:ext>
   </a:extLst>
 </a:theme>
